--- a/Ex_5.pptx
+++ b/Ex_5.pptx
@@ -267,7 +267,7 @@
           <a:p>
             <a:fld id="{332B537E-ABD2-0B44-98B2-868BBBFB9660}" type="datetimeFigureOut">
               <a:rPr lang="en-US" smtClean="0"/>
-              <a:t>3/10/24</a:t>
+              <a:t>3/11/24</a:t>
             </a:fld>
             <a:endParaRPr lang="en-US"/>
           </a:p>
@@ -467,7 +467,7 @@
           <a:p>
             <a:fld id="{332B537E-ABD2-0B44-98B2-868BBBFB9660}" type="datetimeFigureOut">
               <a:rPr lang="en-US" smtClean="0"/>
-              <a:t>3/10/24</a:t>
+              <a:t>3/11/24</a:t>
             </a:fld>
             <a:endParaRPr lang="en-US"/>
           </a:p>
@@ -677,7 +677,7 @@
           <a:p>
             <a:fld id="{332B537E-ABD2-0B44-98B2-868BBBFB9660}" type="datetimeFigureOut">
               <a:rPr lang="en-US" smtClean="0"/>
-              <a:t>3/10/24</a:t>
+              <a:t>3/11/24</a:t>
             </a:fld>
             <a:endParaRPr lang="en-US"/>
           </a:p>
@@ -877,7 +877,7 @@
           <a:p>
             <a:fld id="{332B537E-ABD2-0B44-98B2-868BBBFB9660}" type="datetimeFigureOut">
               <a:rPr lang="en-US" smtClean="0"/>
-              <a:t>3/10/24</a:t>
+              <a:t>3/11/24</a:t>
             </a:fld>
             <a:endParaRPr lang="en-US"/>
           </a:p>
@@ -1153,7 +1153,7 @@
           <a:p>
             <a:fld id="{332B537E-ABD2-0B44-98B2-868BBBFB9660}" type="datetimeFigureOut">
               <a:rPr lang="en-US" smtClean="0"/>
-              <a:t>3/10/24</a:t>
+              <a:t>3/11/24</a:t>
             </a:fld>
             <a:endParaRPr lang="en-US"/>
           </a:p>
@@ -1421,7 +1421,7 @@
           <a:p>
             <a:fld id="{332B537E-ABD2-0B44-98B2-868BBBFB9660}" type="datetimeFigureOut">
               <a:rPr lang="en-US" smtClean="0"/>
-              <a:t>3/10/24</a:t>
+              <a:t>3/11/24</a:t>
             </a:fld>
             <a:endParaRPr lang="en-US"/>
           </a:p>
@@ -1836,7 +1836,7 @@
           <a:p>
             <a:fld id="{332B537E-ABD2-0B44-98B2-868BBBFB9660}" type="datetimeFigureOut">
               <a:rPr lang="en-US" smtClean="0"/>
-              <a:t>3/10/24</a:t>
+              <a:t>3/11/24</a:t>
             </a:fld>
             <a:endParaRPr lang="en-US"/>
           </a:p>
@@ -1978,7 +1978,7 @@
           <a:p>
             <a:fld id="{332B537E-ABD2-0B44-98B2-868BBBFB9660}" type="datetimeFigureOut">
               <a:rPr lang="en-US" smtClean="0"/>
-              <a:t>3/10/24</a:t>
+              <a:t>3/11/24</a:t>
             </a:fld>
             <a:endParaRPr lang="en-US"/>
           </a:p>
@@ -2091,7 +2091,7 @@
           <a:p>
             <a:fld id="{332B537E-ABD2-0B44-98B2-868BBBFB9660}" type="datetimeFigureOut">
               <a:rPr lang="en-US" smtClean="0"/>
-              <a:t>3/10/24</a:t>
+              <a:t>3/11/24</a:t>
             </a:fld>
             <a:endParaRPr lang="en-US"/>
           </a:p>
@@ -2404,7 +2404,7 @@
           <a:p>
             <a:fld id="{332B537E-ABD2-0B44-98B2-868BBBFB9660}" type="datetimeFigureOut">
               <a:rPr lang="en-US" smtClean="0"/>
-              <a:t>3/10/24</a:t>
+              <a:t>3/11/24</a:t>
             </a:fld>
             <a:endParaRPr lang="en-US"/>
           </a:p>
@@ -2693,7 +2693,7 @@
           <a:p>
             <a:fld id="{332B537E-ABD2-0B44-98B2-868BBBFB9660}" type="datetimeFigureOut">
               <a:rPr lang="en-US" smtClean="0"/>
-              <a:t>3/10/24</a:t>
+              <a:t>3/11/24</a:t>
             </a:fld>
             <a:endParaRPr lang="en-US"/>
           </a:p>
@@ -2936,7 +2936,7 @@
           <a:p>
             <a:fld id="{332B537E-ABD2-0B44-98B2-868BBBFB9660}" type="datetimeFigureOut">
               <a:rPr lang="en-US" smtClean="0"/>
-              <a:t>3/10/24</a:t>
+              <a:t>3/11/24</a:t>
             </a:fld>
             <a:endParaRPr lang="en-US"/>
           </a:p>
@@ -3371,13 +3371,16 @@
         </p:nvSpPr>
         <p:spPr/>
         <p:txBody>
-          <a:bodyPr/>
+          <a:bodyPr>
+            <a:normAutofit/>
+          </a:bodyPr>
           <a:lstStyle/>
           <a:p>
             <a:r>
               <a:rPr lang="en-US" dirty="0">
-                <a:latin typeface="PP Radio Grotesk" pitchFamily="2" charset="77"/>
-                <a:ea typeface="PP Radio Grotesk" pitchFamily="2" charset="77"/>
+                <a:latin typeface="Helvetica Neue" panose="02000503000000020004" pitchFamily="2" charset="0"/>
+                <a:ea typeface="Helvetica Neue" panose="02000503000000020004" pitchFamily="2" charset="0"/>
+                <a:cs typeface="Helvetica Neue" panose="02000503000000020004" pitchFamily="2" charset="0"/>
               </a:rPr>
               <a:t>Exercise 5</a:t>
             </a:r>
@@ -3407,36 +3410,41 @@
           <a:p>
             <a:r>
               <a:rPr lang="en-US" dirty="0">
-                <a:latin typeface="PP Radio Grotesk" pitchFamily="2" charset="77"/>
-                <a:ea typeface="PP Radio Grotesk" pitchFamily="2" charset="77"/>
+                <a:latin typeface="Helvetica Neue" panose="02000503000000020004" pitchFamily="2" charset="0"/>
+                <a:ea typeface="Helvetica Neue" panose="02000503000000020004" pitchFamily="2" charset="0"/>
+                <a:cs typeface="Helvetica Neue" panose="02000503000000020004" pitchFamily="2" charset="0"/>
               </a:rPr>
               <a:t>Léo </a:t>
             </a:r>
             <a:r>
               <a:rPr lang="en-US" dirty="0" err="1">
-                <a:latin typeface="PP Radio Grotesk" pitchFamily="2" charset="77"/>
-                <a:ea typeface="PP Radio Grotesk" pitchFamily="2" charset="77"/>
+                <a:latin typeface="Helvetica Neue" panose="02000503000000020004" pitchFamily="2" charset="0"/>
+                <a:ea typeface="Helvetica Neue" panose="02000503000000020004" pitchFamily="2" charset="0"/>
+                <a:cs typeface="Helvetica Neue" panose="02000503000000020004" pitchFamily="2" charset="0"/>
               </a:rPr>
               <a:t>Wütschert</a:t>
             </a:r>
             <a:r>
               <a:rPr lang="en-US" dirty="0">
-                <a:latin typeface="PP Radio Grotesk" pitchFamily="2" charset="77"/>
-                <a:ea typeface="PP Radio Grotesk" pitchFamily="2" charset="77"/>
+                <a:latin typeface="Helvetica Neue" panose="02000503000000020004" pitchFamily="2" charset="0"/>
+                <a:ea typeface="Helvetica Neue" panose="02000503000000020004" pitchFamily="2" charset="0"/>
+                <a:cs typeface="Helvetica Neue" panose="02000503000000020004" pitchFamily="2" charset="0"/>
               </a:rPr>
               <a:t>, Reda </a:t>
             </a:r>
             <a:r>
               <a:rPr lang="en-US" dirty="0" err="1">
-                <a:latin typeface="PP Radio Grotesk" pitchFamily="2" charset="77"/>
-                <a:ea typeface="PP Radio Grotesk" pitchFamily="2" charset="77"/>
+                <a:latin typeface="Helvetica Neue" panose="02000503000000020004" pitchFamily="2" charset="0"/>
+                <a:ea typeface="Helvetica Neue" panose="02000503000000020004" pitchFamily="2" charset="0"/>
+                <a:cs typeface="Helvetica Neue" panose="02000503000000020004" pitchFamily="2" charset="0"/>
               </a:rPr>
               <a:t>Zahri</a:t>
             </a:r>
             <a:r>
               <a:rPr lang="en-US" dirty="0">
-                <a:latin typeface="PP Radio Grotesk" pitchFamily="2" charset="77"/>
-                <a:ea typeface="PP Radio Grotesk" pitchFamily="2" charset="77"/>
+                <a:latin typeface="Helvetica Neue" panose="02000503000000020004" pitchFamily="2" charset="0"/>
+                <a:ea typeface="Helvetica Neue" panose="02000503000000020004" pitchFamily="2" charset="0"/>
+                <a:cs typeface="Helvetica Neue" panose="02000503000000020004" pitchFamily="2" charset="0"/>
               </a:rPr>
               <a:t>, Michael Jopiti</a:t>
             </a:r>
@@ -3502,14 +3510,26 @@
           <a:lstStyle/>
           <a:p>
             <a:r>
-              <a:rPr lang="en-US" sz="4500" b="1" dirty="0"/>
+              <a:rPr lang="en-US" sz="4500" b="1" dirty="0">
+                <a:latin typeface="Helvetica Neue" panose="02000503000000020004" pitchFamily="2" charset="0"/>
+                <a:ea typeface="Helvetica Neue" panose="02000503000000020004" pitchFamily="2" charset="0"/>
+                <a:cs typeface="Helvetica Neue" panose="02000503000000020004" pitchFamily="2" charset="0"/>
+              </a:rPr>
               <a:t>Problem’s</a:t>
             </a:r>
             <a:br>
-              <a:rPr lang="en-US" sz="4500" b="1" dirty="0"/>
+              <a:rPr lang="en-US" sz="4500" b="1" dirty="0">
+                <a:latin typeface="Helvetica Neue" panose="02000503000000020004" pitchFamily="2" charset="0"/>
+                <a:ea typeface="Helvetica Neue" panose="02000503000000020004" pitchFamily="2" charset="0"/>
+                <a:cs typeface="Helvetica Neue" panose="02000503000000020004" pitchFamily="2" charset="0"/>
+              </a:rPr>
             </a:br>
             <a:r>
-              <a:rPr lang="en-US" sz="4500" b="1" dirty="0"/>
+              <a:rPr lang="en-US" sz="4500" b="1" dirty="0">
+                <a:latin typeface="Helvetica Neue" panose="02000503000000020004" pitchFamily="2" charset="0"/>
+                <a:ea typeface="Helvetica Neue" panose="02000503000000020004" pitchFamily="2" charset="0"/>
+                <a:cs typeface="Helvetica Neue" panose="02000503000000020004" pitchFamily="2" charset="0"/>
+              </a:rPr>
               <a:t>statement</a:t>
             </a:r>
           </a:p>
@@ -3687,32 +3707,64 @@
           <a:lstStyle/>
           <a:p>
             <a:r>
-              <a:rPr lang="en-US" dirty="0"/>
+              <a:rPr lang="en-US" dirty="0">
+                <a:latin typeface="Helvetica Neue" panose="02000503000000020004" pitchFamily="2" charset="0"/>
+                <a:ea typeface="Helvetica Neue" panose="02000503000000020004" pitchFamily="2" charset="0"/>
+                <a:cs typeface="Helvetica Neue" panose="02000503000000020004" pitchFamily="2" charset="0"/>
+              </a:rPr>
               <a:t>On February 9, 2014, Swiss voters accepted the initiative “Against Mass Immigration”. In this exercise, we will try to predict the acceptance in each canton based on geographic and demographic data.</a:t>
             </a:r>
           </a:p>
           <a:p>
-            <a:endParaRPr lang="en-US" dirty="0"/>
-          </a:p>
-          <a:p>
-            <a:r>
-              <a:rPr lang="en-US" dirty="0"/>
+            <a:endParaRPr lang="en-US" dirty="0">
+              <a:latin typeface="Helvetica Neue" panose="02000503000000020004" pitchFamily="2" charset="0"/>
+              <a:ea typeface="Helvetica Neue" panose="02000503000000020004" pitchFamily="2" charset="0"/>
+              <a:cs typeface="Helvetica Neue" panose="02000503000000020004" pitchFamily="2" charset="0"/>
+            </a:endParaRPr>
+          </a:p>
+          <a:p>
+            <a:r>
+              <a:rPr lang="en-US" dirty="0">
+                <a:latin typeface="Helvetica Neue" panose="02000503000000020004" pitchFamily="2" charset="0"/>
+                <a:ea typeface="Helvetica Neue" panose="02000503000000020004" pitchFamily="2" charset="0"/>
+                <a:cs typeface="Helvetica Neue" panose="02000503000000020004" pitchFamily="2" charset="0"/>
+              </a:rPr>
               <a:t>Dataset: </a:t>
             </a:r>
             <a:r>
-              <a:rPr lang="en-US" dirty="0" err="1"/>
+              <a:rPr lang="en-US" dirty="0" err="1">
+                <a:latin typeface="Helvetica Neue" panose="02000503000000020004" pitchFamily="2" charset="0"/>
+                <a:ea typeface="Helvetica Neue" panose="02000503000000020004" pitchFamily="2" charset="0"/>
+                <a:cs typeface="Helvetica Neue" panose="02000503000000020004" pitchFamily="2" charset="0"/>
+              </a:rPr>
               <a:t>massimmigration.csv</a:t>
             </a:r>
-            <a:endParaRPr lang="en-US" dirty="0"/>
-          </a:p>
-          <a:p>
-            <a:endParaRPr lang="en-US" dirty="0"/>
-          </a:p>
-          <a:p>
-            <a:endParaRPr lang="en-US" dirty="0"/>
-          </a:p>
-          <a:p>
-            <a:endParaRPr lang="en-US" dirty="0"/>
+            <a:endParaRPr lang="en-US" dirty="0">
+              <a:latin typeface="Helvetica Neue" panose="02000503000000020004" pitchFamily="2" charset="0"/>
+              <a:ea typeface="Helvetica Neue" panose="02000503000000020004" pitchFamily="2" charset="0"/>
+              <a:cs typeface="Helvetica Neue" panose="02000503000000020004" pitchFamily="2" charset="0"/>
+            </a:endParaRPr>
+          </a:p>
+          <a:p>
+            <a:endParaRPr lang="en-US" dirty="0">
+              <a:latin typeface="Helvetica Neue" panose="02000503000000020004" pitchFamily="2" charset="0"/>
+              <a:ea typeface="Helvetica Neue" panose="02000503000000020004" pitchFamily="2" charset="0"/>
+              <a:cs typeface="Helvetica Neue" panose="02000503000000020004" pitchFamily="2" charset="0"/>
+            </a:endParaRPr>
+          </a:p>
+          <a:p>
+            <a:endParaRPr lang="en-US" dirty="0">
+              <a:latin typeface="Helvetica Neue" panose="02000503000000020004" pitchFamily="2" charset="0"/>
+              <a:ea typeface="Helvetica Neue" panose="02000503000000020004" pitchFamily="2" charset="0"/>
+              <a:cs typeface="Helvetica Neue" panose="02000503000000020004" pitchFamily="2" charset="0"/>
+            </a:endParaRPr>
+          </a:p>
+          <a:p>
+            <a:endParaRPr lang="en-US" dirty="0">
+              <a:latin typeface="Helvetica Neue" panose="02000503000000020004" pitchFamily="2" charset="0"/>
+              <a:ea typeface="Helvetica Neue" panose="02000503000000020004" pitchFamily="2" charset="0"/>
+              <a:cs typeface="Helvetica Neue" panose="02000503000000020004" pitchFamily="2" charset="0"/>
+            </a:endParaRPr>
           </a:p>
         </p:txBody>
       </p:sp>
@@ -4244,7 +4296,7 @@
               <a:buNone/>
             </a:pPr>
             <a:r>
-              <a:rPr lang="en-US" sz="5800" b="1"/>
+              <a:rPr lang="en-US" sz="5800" b="1" dirty="0"/>
               <a:t>Code</a:t>
             </a:r>
           </a:p>
@@ -4257,12 +4309,44 @@
               <a:buNone/>
             </a:pPr>
             <a:r>
-              <a:rPr lang="en-US" sz="1200">
-                <a:latin typeface="Menlo" panose="020B0609030804020204" pitchFamily="49" charset="0"/>
-                <a:ea typeface="Menlo" panose="020B0609030804020204" pitchFamily="49" charset="0"/>
-                <a:cs typeface="Menlo" panose="020B0609030804020204" pitchFamily="49" charset="0"/>
-              </a:rPr>
-              <a:t>plot(foreigners, yes, xlab = "fraction of foreigners in %", ylab = "acceptance in % ")</a:t>
+              <a:rPr lang="en-US" sz="1200" dirty="0">
+                <a:latin typeface="Menlo" panose="020B0609030804020204" pitchFamily="49" charset="0"/>
+                <a:ea typeface="Menlo" panose="020B0609030804020204" pitchFamily="49" charset="0"/>
+                <a:cs typeface="Menlo" panose="020B0609030804020204" pitchFamily="49" charset="0"/>
+              </a:rPr>
+              <a:t>plot(foreigners, yes, </a:t>
+            </a:r>
+            <a:r>
+              <a:rPr lang="en-US" sz="1200" dirty="0" err="1">
+                <a:latin typeface="Menlo" panose="020B0609030804020204" pitchFamily="49" charset="0"/>
+                <a:ea typeface="Menlo" panose="020B0609030804020204" pitchFamily="49" charset="0"/>
+                <a:cs typeface="Menlo" panose="020B0609030804020204" pitchFamily="49" charset="0"/>
+              </a:rPr>
+              <a:t>xlab</a:t>
+            </a:r>
+            <a:r>
+              <a:rPr lang="en-US" sz="1200" dirty="0">
+                <a:latin typeface="Menlo" panose="020B0609030804020204" pitchFamily="49" charset="0"/>
+                <a:ea typeface="Menlo" panose="020B0609030804020204" pitchFamily="49" charset="0"/>
+                <a:cs typeface="Menlo" panose="020B0609030804020204" pitchFamily="49" charset="0"/>
+              </a:rPr>
+              <a:t> = "fraction of foreigners in %", </a:t>
+            </a:r>
+            <a:r>
+              <a:rPr lang="en-US" sz="1200" dirty="0" err="1">
+                <a:latin typeface="Menlo" panose="020B0609030804020204" pitchFamily="49" charset="0"/>
+                <a:ea typeface="Menlo" panose="020B0609030804020204" pitchFamily="49" charset="0"/>
+                <a:cs typeface="Menlo" panose="020B0609030804020204" pitchFamily="49" charset="0"/>
+              </a:rPr>
+              <a:t>ylab</a:t>
+            </a:r>
+            <a:r>
+              <a:rPr lang="en-US" sz="1200" dirty="0">
+                <a:latin typeface="Menlo" panose="020B0609030804020204" pitchFamily="49" charset="0"/>
+                <a:ea typeface="Menlo" panose="020B0609030804020204" pitchFamily="49" charset="0"/>
+                <a:cs typeface="Menlo" panose="020B0609030804020204" pitchFamily="49" charset="0"/>
+              </a:rPr>
+              <a:t> = "acceptance in % ")</a:t>
             </a:r>
           </a:p>
           <a:p>
@@ -4274,7 +4358,7 @@
               <a:buNone/>
             </a:pPr>
             <a:r>
-              <a:rPr lang="en-US" sz="1200">
+              <a:rPr lang="en-US" sz="1200" dirty="0">
                 <a:latin typeface="Menlo" panose="020B0609030804020204" pitchFamily="49" charset="0"/>
                 <a:ea typeface="Menlo" panose="020B0609030804020204" pitchFamily="49" charset="0"/>
                 <a:cs typeface="Menlo" panose="020B0609030804020204" pitchFamily="49" charset="0"/>
@@ -4291,12 +4375,28 @@
               <a:buNone/>
             </a:pPr>
             <a:r>
-              <a:rPr lang="en-US" sz="1200">
-                <a:latin typeface="Menlo" panose="020B0609030804020204" pitchFamily="49" charset="0"/>
-                <a:ea typeface="Menlo" panose="020B0609030804020204" pitchFamily="49" charset="0"/>
-                <a:cs typeface="Menlo" panose="020B0609030804020204" pitchFamily="49" charset="0"/>
-              </a:rPr>
-              <a:t>model1 &lt;- lm(yes ~ foreigners)</a:t>
+              <a:rPr lang="en-US" sz="1200" dirty="0">
+                <a:latin typeface="Menlo" panose="020B0609030804020204" pitchFamily="49" charset="0"/>
+                <a:ea typeface="Menlo" panose="020B0609030804020204" pitchFamily="49" charset="0"/>
+                <a:cs typeface="Menlo" panose="020B0609030804020204" pitchFamily="49" charset="0"/>
+              </a:rPr>
+              <a:t>model1 &lt;- </a:t>
+            </a:r>
+            <a:r>
+              <a:rPr lang="en-US" sz="1200" dirty="0" err="1">
+                <a:latin typeface="Menlo" panose="020B0609030804020204" pitchFamily="49" charset="0"/>
+                <a:ea typeface="Menlo" panose="020B0609030804020204" pitchFamily="49" charset="0"/>
+                <a:cs typeface="Menlo" panose="020B0609030804020204" pitchFamily="49" charset="0"/>
+              </a:rPr>
+              <a:t>lm</a:t>
+            </a:r>
+            <a:r>
+              <a:rPr lang="en-US" sz="1200" dirty="0">
+                <a:latin typeface="Menlo" panose="020B0609030804020204" pitchFamily="49" charset="0"/>
+                <a:ea typeface="Menlo" panose="020B0609030804020204" pitchFamily="49" charset="0"/>
+                <a:cs typeface="Menlo" panose="020B0609030804020204" pitchFamily="49" charset="0"/>
+              </a:rPr>
+              <a:t>(yes ~ foreigners)</a:t>
             </a:r>
           </a:p>
           <a:p>
@@ -4308,7 +4408,7 @@
               <a:buNone/>
             </a:pPr>
             <a:r>
-              <a:rPr lang="en-US" sz="1200">
+              <a:rPr lang="en-US" sz="1200" dirty="0">
                 <a:latin typeface="Menlo" panose="020B0609030804020204" pitchFamily="49" charset="0"/>
                 <a:ea typeface="Menlo" panose="020B0609030804020204" pitchFamily="49" charset="0"/>
                 <a:cs typeface="Menlo" panose="020B0609030804020204" pitchFamily="49" charset="0"/>
@@ -4325,7 +4425,7 @@
               <a:buNone/>
             </a:pPr>
             <a:r>
-              <a:rPr lang="en-US" sz="1200">
+              <a:rPr lang="en-US" sz="1200" dirty="0">
                 <a:latin typeface="Menlo" panose="020B0609030804020204" pitchFamily="49" charset="0"/>
                 <a:ea typeface="Menlo" panose="020B0609030804020204" pitchFamily="49" charset="0"/>
                 <a:cs typeface="Menlo" panose="020B0609030804020204" pitchFamily="49" charset="0"/>
@@ -4342,12 +4442,20 @@
               <a:buNone/>
             </a:pPr>
             <a:r>
-              <a:rPr lang="en-US" sz="1200">
-                <a:latin typeface="Menlo" panose="020B0609030804020204" pitchFamily="49" charset="0"/>
-                <a:ea typeface="Menlo" panose="020B0609030804020204" pitchFamily="49" charset="0"/>
-                <a:cs typeface="Menlo" panose="020B0609030804020204" pitchFamily="49" charset="0"/>
-              </a:rPr>
-              <a:t>abline(model1)</a:t>
+              <a:rPr lang="en-US" sz="1200" dirty="0" err="1">
+                <a:latin typeface="Menlo" panose="020B0609030804020204" pitchFamily="49" charset="0"/>
+                <a:ea typeface="Menlo" panose="020B0609030804020204" pitchFamily="49" charset="0"/>
+                <a:cs typeface="Menlo" panose="020B0609030804020204" pitchFamily="49" charset="0"/>
+              </a:rPr>
+              <a:t>abline</a:t>
+            </a:r>
+            <a:r>
+              <a:rPr lang="en-US" sz="1200" dirty="0">
+                <a:latin typeface="Menlo" panose="020B0609030804020204" pitchFamily="49" charset="0"/>
+                <a:ea typeface="Menlo" panose="020B0609030804020204" pitchFamily="49" charset="0"/>
+                <a:cs typeface="Menlo" panose="020B0609030804020204" pitchFamily="49" charset="0"/>
+              </a:rPr>
+              <a:t>(model1)</a:t>
             </a:r>
           </a:p>
           <a:p>
@@ -4359,7 +4467,7 @@
               <a:buNone/>
             </a:pPr>
             <a:r>
-              <a:rPr lang="en-US" sz="1200">
+              <a:rPr lang="en-US" sz="1200" dirty="0">
                 <a:latin typeface="Menlo" panose="020B0609030804020204" pitchFamily="49" charset="0"/>
                 <a:ea typeface="Menlo" panose="020B0609030804020204" pitchFamily="49" charset="0"/>
                 <a:cs typeface="Menlo" panose="020B0609030804020204" pitchFamily="49" charset="0"/>
@@ -4376,7 +4484,7 @@
               <a:buNone/>
             </a:pPr>
             <a:r>
-              <a:rPr lang="en-US" sz="1200">
+              <a:rPr lang="en-US" sz="1200" dirty="0">
                 <a:latin typeface="Menlo" panose="020B0609030804020204" pitchFamily="49" charset="0"/>
                 <a:ea typeface="Menlo" panose="020B0609030804020204" pitchFamily="49" charset="0"/>
                 <a:cs typeface="Menlo" panose="020B0609030804020204" pitchFamily="49" charset="0"/>
@@ -4393,7 +4501,7 @@
               <a:buNone/>
             </a:pPr>
             <a:r>
-              <a:rPr lang="en-US" sz="1200">
+              <a:rPr lang="en-US" sz="1200" dirty="0">
                 <a:solidFill>
                   <a:schemeClr val="tx2">
                     <a:lumMod val="50000"/>
@@ -4407,7 +4515,7 @@
               <a:t>library</a:t>
             </a:r>
             <a:r>
-              <a:rPr lang="en-US" sz="1200">
+              <a:rPr lang="en-US" sz="1200" dirty="0">
                 <a:latin typeface="Menlo" panose="020B0609030804020204" pitchFamily="49" charset="0"/>
                 <a:ea typeface="Menlo" panose="020B0609030804020204" pitchFamily="49" charset="0"/>
                 <a:cs typeface="Menlo" panose="020B0609030804020204" pitchFamily="49" charset="0"/>
@@ -4424,12 +4532,28 @@
               <a:buNone/>
             </a:pPr>
             <a:r>
-              <a:rPr lang="en-US" sz="1200">
-                <a:latin typeface="Menlo" panose="020B0609030804020204" pitchFamily="49" charset="0"/>
-                <a:ea typeface="Menlo" panose="020B0609030804020204" pitchFamily="49" charset="0"/>
-                <a:cs typeface="Menlo" panose="020B0609030804020204" pitchFamily="49" charset="0"/>
-              </a:rPr>
-              <a:t>par(mfrow = c(1, 2))</a:t>
+              <a:rPr lang="en-US" sz="1200" dirty="0">
+                <a:latin typeface="Menlo" panose="020B0609030804020204" pitchFamily="49" charset="0"/>
+                <a:ea typeface="Menlo" panose="020B0609030804020204" pitchFamily="49" charset="0"/>
+                <a:cs typeface="Menlo" panose="020B0609030804020204" pitchFamily="49" charset="0"/>
+              </a:rPr>
+              <a:t>par(</a:t>
+            </a:r>
+            <a:r>
+              <a:rPr lang="en-US" sz="1200" dirty="0" err="1">
+                <a:latin typeface="Menlo" panose="020B0609030804020204" pitchFamily="49" charset="0"/>
+                <a:ea typeface="Menlo" panose="020B0609030804020204" pitchFamily="49" charset="0"/>
+                <a:cs typeface="Menlo" panose="020B0609030804020204" pitchFamily="49" charset="0"/>
+              </a:rPr>
+              <a:t>mfrow</a:t>
+            </a:r>
+            <a:r>
+              <a:rPr lang="en-US" sz="1200" dirty="0">
+                <a:latin typeface="Menlo" panose="020B0609030804020204" pitchFamily="49" charset="0"/>
+                <a:ea typeface="Menlo" panose="020B0609030804020204" pitchFamily="49" charset="0"/>
+                <a:cs typeface="Menlo" panose="020B0609030804020204" pitchFamily="49" charset="0"/>
+              </a:rPr>
+              <a:t> = c(1, 2))</a:t>
             </a:r>
           </a:p>
           <a:p>
@@ -4441,27 +4565,91 @@
               <a:buNone/>
             </a:pPr>
             <a:r>
-              <a:rPr lang="en-US" sz="1200">
-                <a:latin typeface="Menlo" panose="020B0609030804020204" pitchFamily="49" charset="0"/>
-                <a:ea typeface="Menlo" panose="020B0609030804020204" pitchFamily="49" charset="0"/>
-                <a:cs typeface="Menlo" panose="020B0609030804020204" pitchFamily="49" charset="0"/>
-              </a:rPr>
-              <a:t>plot(fitted(model1), resid(model1), xlab = "Fitted values",</a:t>
+              <a:rPr lang="en-US" sz="1200" dirty="0">
+                <a:latin typeface="Menlo" panose="020B0609030804020204" pitchFamily="49" charset="0"/>
+                <a:ea typeface="Menlo" panose="020B0609030804020204" pitchFamily="49" charset="0"/>
+                <a:cs typeface="Menlo" panose="020B0609030804020204" pitchFamily="49" charset="0"/>
+              </a:rPr>
+              <a:t>plot(fitted(model1), </a:t>
+            </a:r>
+            <a:r>
+              <a:rPr lang="en-US" sz="1200" dirty="0" err="1">
+                <a:latin typeface="Menlo" panose="020B0609030804020204" pitchFamily="49" charset="0"/>
+                <a:ea typeface="Menlo" panose="020B0609030804020204" pitchFamily="49" charset="0"/>
+                <a:cs typeface="Menlo" panose="020B0609030804020204" pitchFamily="49" charset="0"/>
+              </a:rPr>
+              <a:t>resid</a:t>
+            </a:r>
+            <a:r>
+              <a:rPr lang="en-US" sz="1200" dirty="0">
+                <a:latin typeface="Menlo" panose="020B0609030804020204" pitchFamily="49" charset="0"/>
+                <a:ea typeface="Menlo" panose="020B0609030804020204" pitchFamily="49" charset="0"/>
+                <a:cs typeface="Menlo" panose="020B0609030804020204" pitchFamily="49" charset="0"/>
+              </a:rPr>
+              <a:t>(model1), </a:t>
+            </a:r>
+            <a:r>
+              <a:rPr lang="en-US" sz="1200" dirty="0" err="1">
+                <a:latin typeface="Menlo" panose="020B0609030804020204" pitchFamily="49" charset="0"/>
+                <a:ea typeface="Menlo" panose="020B0609030804020204" pitchFamily="49" charset="0"/>
+                <a:cs typeface="Menlo" panose="020B0609030804020204" pitchFamily="49" charset="0"/>
+              </a:rPr>
+              <a:t>xlab</a:t>
+            </a:r>
+            <a:r>
+              <a:rPr lang="en-US" sz="1200" dirty="0">
+                <a:latin typeface="Menlo" panose="020B0609030804020204" pitchFamily="49" charset="0"/>
+                <a:ea typeface="Menlo" panose="020B0609030804020204" pitchFamily="49" charset="0"/>
+                <a:cs typeface="Menlo" panose="020B0609030804020204" pitchFamily="49" charset="0"/>
+              </a:rPr>
+              <a:t> = "Fitted values",</a:t>
             </a:r>
             <a:br>
-              <a:rPr lang="en-US" sz="1200">
+              <a:rPr lang="en-US" sz="1200" dirty="0">
                 <a:latin typeface="Menlo" panose="020B0609030804020204" pitchFamily="49" charset="0"/>
                 <a:ea typeface="Menlo" panose="020B0609030804020204" pitchFamily="49" charset="0"/>
                 <a:cs typeface="Menlo" panose="020B0609030804020204" pitchFamily="49" charset="0"/>
               </a:rPr>
             </a:br>
             <a:r>
-              <a:rPr lang="en-US" sz="1200">
-                <a:latin typeface="Menlo" panose="020B0609030804020204" pitchFamily="49" charset="0"/>
-                <a:ea typeface="Menlo" panose="020B0609030804020204" pitchFamily="49" charset="0"/>
-                <a:cs typeface="Menlo" panose="020B0609030804020204" pitchFamily="49" charset="0"/>
-              </a:rPr>
-              <a:t>	ylab = "Residuals", main = "Tukey Ascombes plot")</a:t>
+              <a:rPr lang="en-US" sz="1200" dirty="0">
+                <a:latin typeface="Menlo" panose="020B0609030804020204" pitchFamily="49" charset="0"/>
+                <a:ea typeface="Menlo" panose="020B0609030804020204" pitchFamily="49" charset="0"/>
+                <a:cs typeface="Menlo" panose="020B0609030804020204" pitchFamily="49" charset="0"/>
+              </a:rPr>
+              <a:t>	</a:t>
+            </a:r>
+            <a:r>
+              <a:rPr lang="en-US" sz="1200" dirty="0" err="1">
+                <a:latin typeface="Menlo" panose="020B0609030804020204" pitchFamily="49" charset="0"/>
+                <a:ea typeface="Menlo" panose="020B0609030804020204" pitchFamily="49" charset="0"/>
+                <a:cs typeface="Menlo" panose="020B0609030804020204" pitchFamily="49" charset="0"/>
+              </a:rPr>
+              <a:t>ylab</a:t>
+            </a:r>
+            <a:r>
+              <a:rPr lang="en-US" sz="1200" dirty="0">
+                <a:latin typeface="Menlo" panose="020B0609030804020204" pitchFamily="49" charset="0"/>
+                <a:ea typeface="Menlo" panose="020B0609030804020204" pitchFamily="49" charset="0"/>
+                <a:cs typeface="Menlo" panose="020B0609030804020204" pitchFamily="49" charset="0"/>
+              </a:rPr>
+              <a:t> = "Residuals", main = "Tukey </a:t>
+            </a:r>
+            <a:r>
+              <a:rPr lang="en-US" sz="1200" dirty="0" err="1">
+                <a:latin typeface="Menlo" panose="020B0609030804020204" pitchFamily="49" charset="0"/>
+                <a:ea typeface="Menlo" panose="020B0609030804020204" pitchFamily="49" charset="0"/>
+                <a:cs typeface="Menlo" panose="020B0609030804020204" pitchFamily="49" charset="0"/>
+              </a:rPr>
+              <a:t>Ascombes</a:t>
+            </a:r>
+            <a:r>
+              <a:rPr lang="en-US" sz="1200" dirty="0">
+                <a:latin typeface="Menlo" panose="020B0609030804020204" pitchFamily="49" charset="0"/>
+                <a:ea typeface="Menlo" panose="020B0609030804020204" pitchFamily="49" charset="0"/>
+                <a:cs typeface="Menlo" panose="020B0609030804020204" pitchFamily="49" charset="0"/>
+              </a:rPr>
+              <a:t> plot")</a:t>
             </a:r>
           </a:p>
           <a:p>
@@ -4473,42 +4661,178 @@
               <a:buNone/>
             </a:pPr>
             <a:r>
-              <a:rPr lang="en-US" sz="1200">
-                <a:latin typeface="Menlo" panose="020B0609030804020204" pitchFamily="49" charset="0"/>
-                <a:ea typeface="Menlo" panose="020B0609030804020204" pitchFamily="49" charset="0"/>
-                <a:cs typeface="Menlo" panose="020B0609030804020204" pitchFamily="49" charset="0"/>
-              </a:rPr>
-              <a:t>qqPlot(resid(model1), dist = "norm",</a:t>
+              <a:rPr lang="en-US" sz="1200" dirty="0" err="1">
+                <a:latin typeface="Menlo" panose="020B0609030804020204" pitchFamily="49" charset="0"/>
+                <a:ea typeface="Menlo" panose="020B0609030804020204" pitchFamily="49" charset="0"/>
+                <a:cs typeface="Menlo" panose="020B0609030804020204" pitchFamily="49" charset="0"/>
+              </a:rPr>
+              <a:t>qqPlot</a:t>
+            </a:r>
+            <a:r>
+              <a:rPr lang="en-US" sz="1200" dirty="0">
+                <a:latin typeface="Menlo" panose="020B0609030804020204" pitchFamily="49" charset="0"/>
+                <a:ea typeface="Menlo" panose="020B0609030804020204" pitchFamily="49" charset="0"/>
+                <a:cs typeface="Menlo" panose="020B0609030804020204" pitchFamily="49" charset="0"/>
+              </a:rPr>
+              <a:t>(</a:t>
+            </a:r>
+            <a:r>
+              <a:rPr lang="en-US" sz="1200" dirty="0" err="1">
+                <a:latin typeface="Menlo" panose="020B0609030804020204" pitchFamily="49" charset="0"/>
+                <a:ea typeface="Menlo" panose="020B0609030804020204" pitchFamily="49" charset="0"/>
+                <a:cs typeface="Menlo" panose="020B0609030804020204" pitchFamily="49" charset="0"/>
+              </a:rPr>
+              <a:t>resid</a:t>
+            </a:r>
+            <a:r>
+              <a:rPr lang="en-US" sz="1200" dirty="0">
+                <a:latin typeface="Menlo" panose="020B0609030804020204" pitchFamily="49" charset="0"/>
+                <a:ea typeface="Menlo" panose="020B0609030804020204" pitchFamily="49" charset="0"/>
+                <a:cs typeface="Menlo" panose="020B0609030804020204" pitchFamily="49" charset="0"/>
+              </a:rPr>
+              <a:t>(model1), </a:t>
+            </a:r>
+            <a:r>
+              <a:rPr lang="en-US" sz="1200" dirty="0" err="1">
+                <a:latin typeface="Menlo" panose="020B0609030804020204" pitchFamily="49" charset="0"/>
+                <a:ea typeface="Menlo" panose="020B0609030804020204" pitchFamily="49" charset="0"/>
+                <a:cs typeface="Menlo" panose="020B0609030804020204" pitchFamily="49" charset="0"/>
+              </a:rPr>
+              <a:t>dist</a:t>
+            </a:r>
+            <a:r>
+              <a:rPr lang="en-US" sz="1200" dirty="0">
+                <a:latin typeface="Menlo" panose="020B0609030804020204" pitchFamily="49" charset="0"/>
+                <a:ea typeface="Menlo" panose="020B0609030804020204" pitchFamily="49" charset="0"/>
+                <a:cs typeface="Menlo" panose="020B0609030804020204" pitchFamily="49" charset="0"/>
+              </a:rPr>
+              <a:t> = "norm",</a:t>
             </a:r>
             <a:br>
-              <a:rPr lang="en-US" sz="1200">
+              <a:rPr lang="en-US" sz="1200" dirty="0">
                 <a:latin typeface="Menlo" panose="020B0609030804020204" pitchFamily="49" charset="0"/>
                 <a:ea typeface="Menlo" panose="020B0609030804020204" pitchFamily="49" charset="0"/>
                 <a:cs typeface="Menlo" panose="020B0609030804020204" pitchFamily="49" charset="0"/>
               </a:rPr>
             </a:br>
             <a:r>
-              <a:rPr lang="en-US" sz="1200">
-                <a:latin typeface="Menlo" panose="020B0609030804020204" pitchFamily="49" charset="0"/>
-                <a:ea typeface="Menlo" panose="020B0609030804020204" pitchFamily="49" charset="0"/>
-                <a:cs typeface="Menlo" panose="020B0609030804020204" pitchFamily="49" charset="0"/>
-              </a:rPr>
-              <a:t>	mean = mean(resid(model1)), sd = sd(resid(model1)),</a:t>
+              <a:rPr lang="en-US" sz="1200" dirty="0">
+                <a:latin typeface="Menlo" panose="020B0609030804020204" pitchFamily="49" charset="0"/>
+                <a:ea typeface="Menlo" panose="020B0609030804020204" pitchFamily="49" charset="0"/>
+                <a:cs typeface="Menlo" panose="020B0609030804020204" pitchFamily="49" charset="0"/>
+              </a:rPr>
+              <a:t>	mean = mean(</a:t>
+            </a:r>
+            <a:r>
+              <a:rPr lang="en-US" sz="1200" dirty="0" err="1">
+                <a:latin typeface="Menlo" panose="020B0609030804020204" pitchFamily="49" charset="0"/>
+                <a:ea typeface="Menlo" panose="020B0609030804020204" pitchFamily="49" charset="0"/>
+                <a:cs typeface="Menlo" panose="020B0609030804020204" pitchFamily="49" charset="0"/>
+              </a:rPr>
+              <a:t>resid</a:t>
+            </a:r>
+            <a:r>
+              <a:rPr lang="en-US" sz="1200" dirty="0">
+                <a:latin typeface="Menlo" panose="020B0609030804020204" pitchFamily="49" charset="0"/>
+                <a:ea typeface="Menlo" panose="020B0609030804020204" pitchFamily="49" charset="0"/>
+                <a:cs typeface="Menlo" panose="020B0609030804020204" pitchFamily="49" charset="0"/>
+              </a:rPr>
+              <a:t>(model1)), </a:t>
+            </a:r>
+            <a:r>
+              <a:rPr lang="en-US" sz="1200" dirty="0" err="1">
+                <a:latin typeface="Menlo" panose="020B0609030804020204" pitchFamily="49" charset="0"/>
+                <a:ea typeface="Menlo" panose="020B0609030804020204" pitchFamily="49" charset="0"/>
+                <a:cs typeface="Menlo" panose="020B0609030804020204" pitchFamily="49" charset="0"/>
+              </a:rPr>
+              <a:t>sd</a:t>
+            </a:r>
+            <a:r>
+              <a:rPr lang="en-US" sz="1200" dirty="0">
+                <a:latin typeface="Menlo" panose="020B0609030804020204" pitchFamily="49" charset="0"/>
+                <a:ea typeface="Menlo" panose="020B0609030804020204" pitchFamily="49" charset="0"/>
+                <a:cs typeface="Menlo" panose="020B0609030804020204" pitchFamily="49" charset="0"/>
+              </a:rPr>
+              <a:t> = </a:t>
+            </a:r>
+            <a:r>
+              <a:rPr lang="en-US" sz="1200" dirty="0" err="1">
+                <a:latin typeface="Menlo" panose="020B0609030804020204" pitchFamily="49" charset="0"/>
+                <a:ea typeface="Menlo" panose="020B0609030804020204" pitchFamily="49" charset="0"/>
+                <a:cs typeface="Menlo" panose="020B0609030804020204" pitchFamily="49" charset="0"/>
+              </a:rPr>
+              <a:t>sd</a:t>
+            </a:r>
+            <a:r>
+              <a:rPr lang="en-US" sz="1200" dirty="0">
+                <a:latin typeface="Menlo" panose="020B0609030804020204" pitchFamily="49" charset="0"/>
+                <a:ea typeface="Menlo" panose="020B0609030804020204" pitchFamily="49" charset="0"/>
+                <a:cs typeface="Menlo" panose="020B0609030804020204" pitchFamily="49" charset="0"/>
+              </a:rPr>
+              <a:t>(</a:t>
+            </a:r>
+            <a:r>
+              <a:rPr lang="en-US" sz="1200" dirty="0" err="1">
+                <a:latin typeface="Menlo" panose="020B0609030804020204" pitchFamily="49" charset="0"/>
+                <a:ea typeface="Menlo" panose="020B0609030804020204" pitchFamily="49" charset="0"/>
+                <a:cs typeface="Menlo" panose="020B0609030804020204" pitchFamily="49" charset="0"/>
+              </a:rPr>
+              <a:t>resid</a:t>
+            </a:r>
+            <a:r>
+              <a:rPr lang="en-US" sz="1200" dirty="0">
+                <a:latin typeface="Menlo" panose="020B0609030804020204" pitchFamily="49" charset="0"/>
+                <a:ea typeface="Menlo" panose="020B0609030804020204" pitchFamily="49" charset="0"/>
+                <a:cs typeface="Menlo" panose="020B0609030804020204" pitchFamily="49" charset="0"/>
+              </a:rPr>
+              <a:t>(model1)),</a:t>
             </a:r>
             <a:br>
-              <a:rPr lang="en-US" sz="1200">
+              <a:rPr lang="en-US" sz="1200" dirty="0">
                 <a:latin typeface="Menlo" panose="020B0609030804020204" pitchFamily="49" charset="0"/>
                 <a:ea typeface="Menlo" panose="020B0609030804020204" pitchFamily="49" charset="0"/>
                 <a:cs typeface="Menlo" panose="020B0609030804020204" pitchFamily="49" charset="0"/>
               </a:rPr>
             </a:br>
             <a:r>
-              <a:rPr lang="en-US" sz="1200">
-                <a:latin typeface="Menlo" panose="020B0609030804020204" pitchFamily="49" charset="0"/>
-                <a:ea typeface="Menlo" panose="020B0609030804020204" pitchFamily="49" charset="0"/>
-                <a:cs typeface="Menlo" panose="020B0609030804020204" pitchFamily="49" charset="0"/>
-              </a:rPr>
-              <a:t>	xlab = "Theoretical quantiles", ylab = "Empirical quantiles", main = "Q-Q plot of residuals")</a:t>
+              <a:rPr lang="en-US" sz="1200" dirty="0">
+                <a:latin typeface="Menlo" panose="020B0609030804020204" pitchFamily="49" charset="0"/>
+                <a:ea typeface="Menlo" panose="020B0609030804020204" pitchFamily="49" charset="0"/>
+                <a:cs typeface="Menlo" panose="020B0609030804020204" pitchFamily="49" charset="0"/>
+              </a:rPr>
+              <a:t>	</a:t>
+            </a:r>
+            <a:r>
+              <a:rPr lang="en-US" sz="1200" dirty="0" err="1">
+                <a:latin typeface="Menlo" panose="020B0609030804020204" pitchFamily="49" charset="0"/>
+                <a:ea typeface="Menlo" panose="020B0609030804020204" pitchFamily="49" charset="0"/>
+                <a:cs typeface="Menlo" panose="020B0609030804020204" pitchFamily="49" charset="0"/>
+              </a:rPr>
+              <a:t>xlab</a:t>
+            </a:r>
+            <a:r>
+              <a:rPr lang="en-US" sz="1200" dirty="0">
+                <a:latin typeface="Menlo" panose="020B0609030804020204" pitchFamily="49" charset="0"/>
+                <a:ea typeface="Menlo" panose="020B0609030804020204" pitchFamily="49" charset="0"/>
+                <a:cs typeface="Menlo" panose="020B0609030804020204" pitchFamily="49" charset="0"/>
+              </a:rPr>
+              <a:t> = "Theoretical quantiles", </a:t>
+            </a:r>
+            <a:r>
+              <a:rPr lang="en-US" sz="1200" dirty="0" err="1">
+                <a:latin typeface="Menlo" panose="020B0609030804020204" pitchFamily="49" charset="0"/>
+                <a:ea typeface="Menlo" panose="020B0609030804020204" pitchFamily="49" charset="0"/>
+                <a:cs typeface="Menlo" panose="020B0609030804020204" pitchFamily="49" charset="0"/>
+              </a:rPr>
+              <a:t>ylab</a:t>
+            </a:r>
+            <a:r>
+              <a:rPr lang="en-US" sz="1200" dirty="0">
+                <a:latin typeface="Menlo" panose="020B0609030804020204" pitchFamily="49" charset="0"/>
+                <a:ea typeface="Menlo" panose="020B0609030804020204" pitchFamily="49" charset="0"/>
+                <a:cs typeface="Menlo" panose="020B0609030804020204" pitchFamily="49" charset="0"/>
+              </a:rPr>
+              <a:t> = "Empirical quantiles", main = "Q-Q plot of residuals")</a:t>
             </a:r>
           </a:p>
           <a:p>
@@ -4520,18 +4844,29 @@
               <a:buNone/>
             </a:pPr>
             <a:r>
-              <a:rPr lang="en-US" sz="1200">
-                <a:latin typeface="Menlo" panose="020B0609030804020204" pitchFamily="49" charset="0"/>
-                <a:ea typeface="Menlo" panose="020B0609030804020204" pitchFamily="49" charset="0"/>
-                <a:cs typeface="Menlo" panose="020B0609030804020204" pitchFamily="49" charset="0"/>
-              </a:rPr>
-              <a:t>#seems valid -&gt; no pattern, qqplot: one value that is higher than we could expect but still in the ICF -&gt; respect normal assumptions</a:t>
-            </a:r>
-            <a:endParaRPr lang="en-US" sz="1200" dirty="0">
-              <a:latin typeface="Menlo" panose="020B0609030804020204" pitchFamily="49" charset="0"/>
-              <a:ea typeface="Menlo" panose="020B0609030804020204" pitchFamily="49" charset="0"/>
-              <a:cs typeface="Menlo" panose="020B0609030804020204" pitchFamily="49" charset="0"/>
-            </a:endParaRPr>
+              <a:rPr lang="en-US" sz="1200" dirty="0">
+                <a:latin typeface="Menlo" panose="020B0609030804020204" pitchFamily="49" charset="0"/>
+                <a:ea typeface="Menlo" panose="020B0609030804020204" pitchFamily="49" charset="0"/>
+                <a:cs typeface="Menlo" panose="020B0609030804020204" pitchFamily="49" charset="0"/>
+              </a:rPr>
+              <a:t>#seems valid -&gt; no pattern, </a:t>
+            </a:r>
+            <a:r>
+              <a:rPr lang="en-US" sz="1200" dirty="0" err="1">
+                <a:latin typeface="Menlo" panose="020B0609030804020204" pitchFamily="49" charset="0"/>
+                <a:ea typeface="Menlo" panose="020B0609030804020204" pitchFamily="49" charset="0"/>
+                <a:cs typeface="Menlo" panose="020B0609030804020204" pitchFamily="49" charset="0"/>
+              </a:rPr>
+              <a:t>qqplot</a:t>
+            </a:r>
+            <a:r>
+              <a:rPr lang="en-US" sz="1200" dirty="0">
+                <a:latin typeface="Menlo" panose="020B0609030804020204" pitchFamily="49" charset="0"/>
+                <a:ea typeface="Menlo" panose="020B0609030804020204" pitchFamily="49" charset="0"/>
+                <a:cs typeface="Menlo" panose="020B0609030804020204" pitchFamily="49" charset="0"/>
+              </a:rPr>
+              <a:t>: one value that is higher than we could expect but still in the ICF -&gt; respect normal assumptions</a:t>
+            </a:r>
           </a:p>
         </p:txBody>
       </p:sp>
@@ -4597,7 +4932,11 @@
               <a:buNone/>
             </a:pPr>
             <a:r>
-              <a:rPr lang="en-US" sz="5800" b="1" dirty="0"/>
+              <a:rPr lang="en-US" sz="5800" b="1" dirty="0">
+                <a:latin typeface="Helvetica Neue" panose="02000503000000020004" pitchFamily="2" charset="0"/>
+                <a:ea typeface="Helvetica Neue" panose="02000503000000020004" pitchFamily="2" charset="0"/>
+                <a:cs typeface="Helvetica Neue" panose="02000503000000020004" pitchFamily="2" charset="0"/>
+              </a:rPr>
               <a:t>Code</a:t>
             </a:r>
           </a:p>
@@ -5247,7 +5586,11 @@
           <a:lstStyle/>
           <a:p>
             <a:r>
-              <a:rPr lang="en-US" sz="4500" b="1" dirty="0"/>
+              <a:rPr lang="en-US" sz="4500" b="1" dirty="0">
+                <a:latin typeface="Helvetica Neue" panose="02000503000000020004" pitchFamily="2" charset="0"/>
+                <a:ea typeface="Helvetica Neue" panose="02000503000000020004" pitchFamily="2" charset="0"/>
+                <a:cs typeface="Helvetica Neue" panose="02000503000000020004" pitchFamily="2" charset="0"/>
+              </a:rPr>
               <a:t>Task b)</a:t>
             </a:r>
           </a:p>
@@ -5280,17 +5623,33 @@
           <a:lstStyle/>
           <a:p>
             <a:r>
-              <a:rPr lang="en-US" dirty="0"/>
+              <a:rPr lang="en-US" dirty="0">
+                <a:latin typeface="Helvetica Neue" panose="02000503000000020004" pitchFamily="2" charset="0"/>
+                <a:ea typeface="Helvetica Neue" panose="02000503000000020004" pitchFamily="2" charset="0"/>
+                <a:cs typeface="Helvetica Neue" panose="02000503000000020004" pitchFamily="2" charset="0"/>
+              </a:rPr>
               <a:t>Plot a confidence band and prediction intervals into the plot of a), both for a confidence level of 90%. </a:t>
             </a:r>
             <a:br>
-              <a:rPr lang="en-US" dirty="0"/>
+              <a:rPr lang="en-US" dirty="0">
+                <a:latin typeface="Helvetica Neue" panose="02000503000000020004" pitchFamily="2" charset="0"/>
+                <a:ea typeface="Helvetica Neue" panose="02000503000000020004" pitchFamily="2" charset="0"/>
+                <a:cs typeface="Helvetica Neue" panose="02000503000000020004" pitchFamily="2" charset="0"/>
+              </a:rPr>
             </a:br>
             <a:br>
-              <a:rPr lang="en-US" dirty="0"/>
+              <a:rPr lang="en-US" dirty="0">
+                <a:latin typeface="Helvetica Neue" panose="02000503000000020004" pitchFamily="2" charset="0"/>
+                <a:ea typeface="Helvetica Neue" panose="02000503000000020004" pitchFamily="2" charset="0"/>
+                <a:cs typeface="Helvetica Neue" panose="02000503000000020004" pitchFamily="2" charset="0"/>
+              </a:rPr>
             </a:br>
             <a:r>
-              <a:rPr lang="en-US" dirty="0"/>
+              <a:rPr lang="en-US" dirty="0">
+                <a:latin typeface="Helvetica Neue" panose="02000503000000020004" pitchFamily="2" charset="0"/>
+                <a:ea typeface="Helvetica Neue" panose="02000503000000020004" pitchFamily="2" charset="0"/>
+                <a:cs typeface="Helvetica Neue" panose="02000503000000020004" pitchFamily="2" charset="0"/>
+              </a:rPr>
               <a:t>What is the difference between the two? </a:t>
             </a:r>
           </a:p>
@@ -5493,7 +5852,11 @@
               <a:buNone/>
             </a:pPr>
             <a:r>
-              <a:rPr lang="en-US" b="1" dirty="0"/>
+              <a:rPr lang="en-US" b="1" dirty="0">
+                <a:latin typeface="Helvetica Neue" panose="02000503000000020004" pitchFamily="2" charset="0"/>
+                <a:ea typeface="Helvetica Neue" panose="02000503000000020004" pitchFamily="2" charset="0"/>
+                <a:cs typeface="Helvetica Neue" panose="02000503000000020004" pitchFamily="2" charset="0"/>
+              </a:rPr>
               <a:t>Code</a:t>
             </a:r>
           </a:p>
@@ -6055,7 +6418,11 @@
           <a:lstStyle/>
           <a:p>
             <a:r>
-              <a:rPr lang="en-US" sz="4500" b="1" dirty="0"/>
+              <a:rPr lang="en-US" sz="4500" b="1" dirty="0">
+                <a:latin typeface="Helvetica Neue" panose="02000503000000020004" pitchFamily="2" charset="0"/>
+                <a:ea typeface="Helvetica Neue" panose="02000503000000020004" pitchFamily="2" charset="0"/>
+                <a:cs typeface="Helvetica Neue" panose="02000503000000020004" pitchFamily="2" charset="0"/>
+              </a:rPr>
               <a:t>Task c)</a:t>
             </a:r>
           </a:p>
@@ -6088,35 +6455,71 @@
           <a:lstStyle/>
           <a:p>
             <a:r>
-              <a:rPr lang="en-US" dirty="0"/>
+              <a:rPr lang="en-US" dirty="0">
+                <a:latin typeface="Helvetica Neue" panose="02000503000000020004" pitchFamily="2" charset="0"/>
+                <a:ea typeface="Helvetica Neue" panose="02000503000000020004" pitchFamily="2" charset="0"/>
+                <a:cs typeface="Helvetica Neue" panose="02000503000000020004" pitchFamily="2" charset="0"/>
+              </a:rPr>
               <a:t>How well does the fraction of foreigners explain the acceptance in the different cantons? </a:t>
             </a:r>
             <a:br>
-              <a:rPr lang="en-US" dirty="0"/>
+              <a:rPr lang="en-US" dirty="0">
+                <a:latin typeface="Helvetica Neue" panose="02000503000000020004" pitchFamily="2" charset="0"/>
+                <a:ea typeface="Helvetica Neue" panose="02000503000000020004" pitchFamily="2" charset="0"/>
+                <a:cs typeface="Helvetica Neue" panose="02000503000000020004" pitchFamily="2" charset="0"/>
+              </a:rPr>
             </a:br>
             <a:br>
-              <a:rPr lang="en-US" dirty="0"/>
+              <a:rPr lang="en-US" dirty="0">
+                <a:latin typeface="Helvetica Neue" panose="02000503000000020004" pitchFamily="2" charset="0"/>
+                <a:ea typeface="Helvetica Neue" panose="02000503000000020004" pitchFamily="2" charset="0"/>
+                <a:cs typeface="Helvetica Neue" panose="02000503000000020004" pitchFamily="2" charset="0"/>
+              </a:rPr>
             </a:br>
             <a:r>
-              <a:rPr lang="en-US" dirty="0"/>
+              <a:rPr lang="en-US" dirty="0">
+                <a:latin typeface="Helvetica Neue" panose="02000503000000020004" pitchFamily="2" charset="0"/>
+                <a:ea typeface="Helvetica Neue" panose="02000503000000020004" pitchFamily="2" charset="0"/>
+                <a:cs typeface="Helvetica Neue" panose="02000503000000020004" pitchFamily="2" charset="0"/>
+              </a:rPr>
               <a:t>Calculate the coefficient of determination R2 and the F statistic “by hand”, i.e. only using the R functions </a:t>
             </a:r>
             <a:r>
-              <a:rPr lang="en-US" dirty="0" err="1"/>
+              <a:rPr lang="en-US" dirty="0" err="1">
+                <a:latin typeface="Helvetica Neue" panose="02000503000000020004" pitchFamily="2" charset="0"/>
+                <a:ea typeface="Helvetica Neue" panose="02000503000000020004" pitchFamily="2" charset="0"/>
+                <a:cs typeface="Helvetica Neue" panose="02000503000000020004" pitchFamily="2" charset="0"/>
+              </a:rPr>
               <a:t>resid</a:t>
             </a:r>
             <a:r>
-              <a:rPr lang="en-US" dirty="0"/>
+              <a:rPr lang="en-US" dirty="0">
+                <a:latin typeface="Helvetica Neue" panose="02000503000000020004" pitchFamily="2" charset="0"/>
+                <a:ea typeface="Helvetica Neue" panose="02000503000000020004" pitchFamily="2" charset="0"/>
+                <a:cs typeface="Helvetica Neue" panose="02000503000000020004" pitchFamily="2" charset="0"/>
+              </a:rPr>
               <a:t>, fitted and mean. </a:t>
             </a:r>
             <a:br>
-              <a:rPr lang="en-US" dirty="0"/>
+              <a:rPr lang="en-US" dirty="0">
+                <a:latin typeface="Helvetica Neue" panose="02000503000000020004" pitchFamily="2" charset="0"/>
+                <a:ea typeface="Helvetica Neue" panose="02000503000000020004" pitchFamily="2" charset="0"/>
+                <a:cs typeface="Helvetica Neue" panose="02000503000000020004" pitchFamily="2" charset="0"/>
+              </a:rPr>
             </a:br>
             <a:br>
-              <a:rPr lang="en-US" dirty="0"/>
+              <a:rPr lang="en-US" dirty="0">
+                <a:latin typeface="Helvetica Neue" panose="02000503000000020004" pitchFamily="2" charset="0"/>
+                <a:ea typeface="Helvetica Neue" panose="02000503000000020004" pitchFamily="2" charset="0"/>
+                <a:cs typeface="Helvetica Neue" panose="02000503000000020004" pitchFamily="2" charset="0"/>
+              </a:rPr>
             </a:br>
             <a:r>
-              <a:rPr lang="en-US" dirty="0"/>
+              <a:rPr lang="en-US" dirty="0">
+                <a:latin typeface="Helvetica Neue" panose="02000503000000020004" pitchFamily="2" charset="0"/>
+                <a:ea typeface="Helvetica Neue" panose="02000503000000020004" pitchFamily="2" charset="0"/>
+                <a:cs typeface="Helvetica Neue" panose="02000503000000020004" pitchFamily="2" charset="0"/>
+              </a:rPr>
               <a:t>Check your results with the output of summary. </a:t>
             </a:r>
           </a:p>
@@ -6319,7 +6722,11 @@
               <a:buNone/>
             </a:pPr>
             <a:r>
-              <a:rPr lang="en-US" b="1" dirty="0"/>
+              <a:rPr lang="en-US" b="1" dirty="0">
+                <a:latin typeface="Helvetica Neue" panose="02000503000000020004" pitchFamily="2" charset="0"/>
+                <a:ea typeface="Helvetica Neue" panose="02000503000000020004" pitchFamily="2" charset="0"/>
+                <a:cs typeface="Helvetica Neue" panose="02000503000000020004" pitchFamily="2" charset="0"/>
+              </a:rPr>
               <a:t>Code</a:t>
             </a:r>
           </a:p>
@@ -6793,7 +7200,11 @@
           <a:lstStyle/>
           <a:p>
             <a:r>
-              <a:rPr lang="en-US" sz="4500" b="1" dirty="0"/>
+              <a:rPr lang="en-US" sz="4500" b="1" dirty="0">
+                <a:latin typeface="Helvetica Neue" panose="02000503000000020004" pitchFamily="2" charset="0"/>
+                <a:ea typeface="Helvetica Neue" panose="02000503000000020004" pitchFamily="2" charset="0"/>
+                <a:cs typeface="Helvetica Neue" panose="02000503000000020004" pitchFamily="2" charset="0"/>
+              </a:rPr>
               <a:t>Task d)</a:t>
             </a:r>
           </a:p>
@@ -6822,24 +7233,38 @@
           </a:xfrm>
         </p:spPr>
         <p:txBody>
-          <a:bodyPr/>
+          <a:bodyPr>
+            <a:normAutofit lnSpcReduction="10000"/>
+          </a:bodyPr>
           <a:lstStyle/>
           <a:p>
             <a:pPr marL="0" indent="0">
               <a:buNone/>
             </a:pPr>
             <a:r>
-              <a:rPr lang="en-US" b="1" dirty="0"/>
+              <a:rPr lang="en-US" b="1" dirty="0">
+                <a:latin typeface="Helvetica Neue" panose="02000503000000020004" pitchFamily="2" charset="0"/>
+                <a:ea typeface="Helvetica Neue" panose="02000503000000020004" pitchFamily="2" charset="0"/>
+                <a:cs typeface="Helvetica Neue" panose="02000503000000020004" pitchFamily="2" charset="0"/>
+              </a:rPr>
               <a:t>Table content</a:t>
             </a:r>
-            <a:endParaRPr lang="en-US" dirty="0"/>
+            <a:endParaRPr lang="en-US" dirty="0">
+              <a:latin typeface="Helvetica Neue" panose="02000503000000020004" pitchFamily="2" charset="0"/>
+              <a:ea typeface="Helvetica Neue" panose="02000503000000020004" pitchFamily="2" charset="0"/>
+              <a:cs typeface="Helvetica Neue" panose="02000503000000020004" pitchFamily="2" charset="0"/>
+            </a:endParaRPr>
           </a:p>
           <a:p>
             <a:pPr marL="0" indent="0">
               <a:buNone/>
             </a:pPr>
             <a:r>
-              <a:rPr lang="en-US" sz="1600" dirty="0"/>
+              <a:rPr lang="en-US" sz="1600" dirty="0">
+                <a:latin typeface="Helvetica Neue" panose="02000503000000020004" pitchFamily="2" charset="0"/>
+                <a:ea typeface="Helvetica Neue" panose="02000503000000020004" pitchFamily="2" charset="0"/>
+                <a:cs typeface="Helvetica Neue" panose="02000503000000020004" pitchFamily="2" charset="0"/>
+              </a:rPr>
               <a:t>5 columns representing respectively:</a:t>
             </a:r>
           </a:p>
@@ -6848,14 +7273,26 @@
               <a:buNone/>
             </a:pPr>
             <a:r>
-              <a:rPr lang="en-US" sz="1600" u="sng" dirty="0"/>
+              <a:rPr lang="en-US" sz="1600" u="sng" dirty="0">
+                <a:latin typeface="Helvetica Neue" panose="02000503000000020004" pitchFamily="2" charset="0"/>
+                <a:ea typeface="Helvetica Neue" panose="02000503000000020004" pitchFamily="2" charset="0"/>
+                <a:cs typeface="Helvetica Neue" panose="02000503000000020004" pitchFamily="2" charset="0"/>
+              </a:rPr>
               <a:t>Canton </a:t>
             </a:r>
             <a:br>
-              <a:rPr lang="en-US" sz="1600" dirty="0"/>
+              <a:rPr lang="en-US" sz="1600" dirty="0">
+                <a:latin typeface="Helvetica Neue" panose="02000503000000020004" pitchFamily="2" charset="0"/>
+                <a:ea typeface="Helvetica Neue" panose="02000503000000020004" pitchFamily="2" charset="0"/>
+                <a:cs typeface="Helvetica Neue" panose="02000503000000020004" pitchFamily="2" charset="0"/>
+              </a:rPr>
             </a:br>
             <a:r>
-              <a:rPr lang="en-US" sz="1600" dirty="0"/>
+              <a:rPr lang="en-US" sz="1600" dirty="0">
+                <a:latin typeface="Helvetica Neue" panose="02000503000000020004" pitchFamily="2" charset="0"/>
+                <a:ea typeface="Helvetica Neue" panose="02000503000000020004" pitchFamily="2" charset="0"/>
+                <a:cs typeface="Helvetica Neue" panose="02000503000000020004" pitchFamily="2" charset="0"/>
+              </a:rPr>
               <a:t>abbreviation of the canton</a:t>
             </a:r>
           </a:p>
@@ -6864,28 +7301,51 @@
               <a:buNone/>
             </a:pPr>
             <a:r>
-              <a:rPr lang="en-US" sz="1600" u="sng" dirty="0"/>
+              <a:rPr lang="en-US" sz="1600" u="sng" dirty="0">
+                <a:latin typeface="Helvetica Neue" panose="02000503000000020004" pitchFamily="2" charset="0"/>
+                <a:ea typeface="Helvetica Neue" panose="02000503000000020004" pitchFamily="2" charset="0"/>
+                <a:cs typeface="Helvetica Neue" panose="02000503000000020004" pitchFamily="2" charset="0"/>
+              </a:rPr>
               <a:t>Yes</a:t>
             </a:r>
             <a:r>
-              <a:rPr lang="en-US" sz="1600" dirty="0"/>
+              <a:rPr lang="en-US" sz="1600" dirty="0">
+                <a:latin typeface="Helvetica Neue" panose="02000503000000020004" pitchFamily="2" charset="0"/>
+                <a:ea typeface="Helvetica Neue" panose="02000503000000020004" pitchFamily="2" charset="0"/>
+                <a:cs typeface="Helvetica Neue" panose="02000503000000020004" pitchFamily="2" charset="0"/>
+              </a:rPr>
               <a:t> </a:t>
             </a:r>
             <a:br>
-              <a:rPr lang="en-US" sz="1600" dirty="0"/>
+              <a:rPr lang="en-US" sz="1600" dirty="0">
+                <a:latin typeface="Helvetica Neue" panose="02000503000000020004" pitchFamily="2" charset="0"/>
+                <a:ea typeface="Helvetica Neue" panose="02000503000000020004" pitchFamily="2" charset="0"/>
+                <a:cs typeface="Helvetica Neue" panose="02000503000000020004" pitchFamily="2" charset="0"/>
+              </a:rPr>
             </a:br>
             <a:r>
-              <a:rPr lang="en-US" sz="1600" dirty="0"/>
+              <a:rPr lang="en-US" sz="1600" dirty="0">
+                <a:latin typeface="Helvetica Neue" panose="02000503000000020004" pitchFamily="2" charset="0"/>
+                <a:ea typeface="Helvetica Neue" panose="02000503000000020004" pitchFamily="2" charset="0"/>
+                <a:cs typeface="Helvetica Neue" panose="02000503000000020004" pitchFamily="2" charset="0"/>
+              </a:rPr>
               <a:t>acceptance (fraction of “Yes” votes) in % </a:t>
             </a:r>
             <a:br>
-              <a:rPr lang="en-US" sz="1600" dirty="0"/>
+              <a:rPr lang="en-US" sz="1600" dirty="0">
+                <a:latin typeface="Helvetica Neue" panose="02000503000000020004" pitchFamily="2" charset="0"/>
+                <a:ea typeface="Helvetica Neue" panose="02000503000000020004" pitchFamily="2" charset="0"/>
+                <a:cs typeface="Helvetica Neue" panose="02000503000000020004" pitchFamily="2" charset="0"/>
+              </a:rPr>
             </a:br>
             <a:r>
               <a:rPr lang="en-US" sz="1600" dirty="0">
                 <a:solidFill>
                   <a:srgbClr val="FF0000"/>
                 </a:solidFill>
+                <a:latin typeface="Helvetica Neue" panose="02000503000000020004" pitchFamily="2" charset="0"/>
+                <a:ea typeface="Helvetica Neue" panose="02000503000000020004" pitchFamily="2" charset="0"/>
+                <a:cs typeface="Helvetica Neue" panose="02000503000000020004" pitchFamily="2" charset="0"/>
               </a:rPr>
               <a:t>response variable</a:t>
             </a:r>
@@ -6895,18 +7355,34 @@
               <a:buNone/>
             </a:pPr>
             <a:r>
-              <a:rPr lang="en-US" sz="1600" u="sng" dirty="0"/>
+              <a:rPr lang="en-US" sz="1600" u="sng" dirty="0">
+                <a:latin typeface="Helvetica Neue" panose="02000503000000020004" pitchFamily="2" charset="0"/>
+                <a:ea typeface="Helvetica Neue" panose="02000503000000020004" pitchFamily="2" charset="0"/>
+                <a:cs typeface="Helvetica Neue" panose="02000503000000020004" pitchFamily="2" charset="0"/>
+              </a:rPr>
               <a:t>Area</a:t>
             </a:r>
             <a:r>
-              <a:rPr lang="en-US" sz="1600" dirty="0"/>
+              <a:rPr lang="en-US" sz="1600" dirty="0">
+                <a:latin typeface="Helvetica Neue" panose="02000503000000020004" pitchFamily="2" charset="0"/>
+                <a:ea typeface="Helvetica Neue" panose="02000503000000020004" pitchFamily="2" charset="0"/>
+                <a:cs typeface="Helvetica Neue" panose="02000503000000020004" pitchFamily="2" charset="0"/>
+              </a:rPr>
               <a:t> </a:t>
             </a:r>
             <a:br>
-              <a:rPr lang="en-US" sz="1600" dirty="0"/>
+              <a:rPr lang="en-US" sz="1600" dirty="0">
+                <a:latin typeface="Helvetica Neue" panose="02000503000000020004" pitchFamily="2" charset="0"/>
+                <a:ea typeface="Helvetica Neue" panose="02000503000000020004" pitchFamily="2" charset="0"/>
+                <a:cs typeface="Helvetica Neue" panose="02000503000000020004" pitchFamily="2" charset="0"/>
+              </a:rPr>
             </a:br>
             <a:r>
-              <a:rPr lang="en-US" sz="1600" dirty="0"/>
+              <a:rPr lang="en-US" sz="1600" dirty="0">
+                <a:latin typeface="Helvetica Neue" panose="02000503000000020004" pitchFamily="2" charset="0"/>
+                <a:ea typeface="Helvetica Neue" panose="02000503000000020004" pitchFamily="2" charset="0"/>
+                <a:cs typeface="Helvetica Neue" panose="02000503000000020004" pitchFamily="2" charset="0"/>
+              </a:rPr>
               <a:t>area in km2 inhabitants </a:t>
             </a:r>
           </a:p>
@@ -6915,14 +7391,26 @@
               <a:buNone/>
             </a:pPr>
             <a:r>
-              <a:rPr lang="en-US" sz="1600" u="sng" dirty="0"/>
+              <a:rPr lang="en-US" sz="1600" u="sng" dirty="0">
+                <a:latin typeface="Helvetica Neue" panose="02000503000000020004" pitchFamily="2" charset="0"/>
+                <a:ea typeface="Helvetica Neue" panose="02000503000000020004" pitchFamily="2" charset="0"/>
+                <a:cs typeface="Helvetica Neue" panose="02000503000000020004" pitchFamily="2" charset="0"/>
+              </a:rPr>
               <a:t>Inhabitants</a:t>
             </a:r>
             <a:br>
-              <a:rPr lang="en-US" sz="1600" dirty="0"/>
+              <a:rPr lang="en-US" sz="1600" dirty="0">
+                <a:latin typeface="Helvetica Neue" panose="02000503000000020004" pitchFamily="2" charset="0"/>
+                <a:ea typeface="Helvetica Neue" panose="02000503000000020004" pitchFamily="2" charset="0"/>
+                <a:cs typeface="Helvetica Neue" panose="02000503000000020004" pitchFamily="2" charset="0"/>
+              </a:rPr>
             </a:br>
             <a:r>
-              <a:rPr lang="en-US" sz="1600" dirty="0"/>
+              <a:rPr lang="en-US" sz="1600" dirty="0">
+                <a:latin typeface="Helvetica Neue" panose="02000503000000020004" pitchFamily="2" charset="0"/>
+                <a:ea typeface="Helvetica Neue" panose="02000503000000020004" pitchFamily="2" charset="0"/>
+                <a:cs typeface="Helvetica Neue" panose="02000503000000020004" pitchFamily="2" charset="0"/>
+              </a:rPr>
               <a:t>inhabitants of the canton</a:t>
             </a:r>
           </a:p>
@@ -6931,14 +7419,26 @@
               <a:buNone/>
             </a:pPr>
             <a:r>
-              <a:rPr lang="en-US" sz="1600" u="sng" dirty="0"/>
+              <a:rPr lang="en-US" sz="1600" u="sng" dirty="0">
+                <a:latin typeface="Helvetica Neue" panose="02000503000000020004" pitchFamily="2" charset="0"/>
+                <a:ea typeface="Helvetica Neue" panose="02000503000000020004" pitchFamily="2" charset="0"/>
+                <a:cs typeface="Helvetica Neue" panose="02000503000000020004" pitchFamily="2" charset="0"/>
+              </a:rPr>
               <a:t>Foreigners</a:t>
             </a:r>
             <a:br>
-              <a:rPr lang="en-US" sz="1600" dirty="0"/>
+              <a:rPr lang="en-US" sz="1600" dirty="0">
+                <a:latin typeface="Helvetica Neue" panose="02000503000000020004" pitchFamily="2" charset="0"/>
+                <a:ea typeface="Helvetica Neue" panose="02000503000000020004" pitchFamily="2" charset="0"/>
+                <a:cs typeface="Helvetica Neue" panose="02000503000000020004" pitchFamily="2" charset="0"/>
+              </a:rPr>
             </a:br>
             <a:r>
-              <a:rPr lang="en-US" sz="1600" dirty="0"/>
+              <a:rPr lang="en-US" sz="1600" dirty="0">
+                <a:latin typeface="Helvetica Neue" panose="02000503000000020004" pitchFamily="2" charset="0"/>
+                <a:ea typeface="Helvetica Neue" panose="02000503000000020004" pitchFamily="2" charset="0"/>
+                <a:cs typeface="Helvetica Neue" panose="02000503000000020004" pitchFamily="2" charset="0"/>
+              </a:rPr>
               <a:t>fraction of foreigners in % </a:t>
             </a:r>
           </a:p>
@@ -6971,13 +7471,25 @@
           <a:lstStyle/>
           <a:p>
             <a:r>
-              <a:rPr lang="en-US" dirty="0"/>
+              <a:rPr lang="en-US" dirty="0">
+                <a:latin typeface="Helvetica Neue" panose="02000503000000020004" pitchFamily="2" charset="0"/>
+                <a:ea typeface="Helvetica Neue" panose="02000503000000020004" pitchFamily="2" charset="0"/>
+                <a:cs typeface="Helvetica Neue" panose="02000503000000020004" pitchFamily="2" charset="0"/>
+              </a:rPr>
               <a:t>Select the best linear model as follows:</a:t>
             </a:r>
             <a:br>
-              <a:rPr lang="en-US" dirty="0"/>
+              <a:rPr lang="en-US" dirty="0">
+                <a:latin typeface="Helvetica Neue" panose="02000503000000020004" pitchFamily="2" charset="0"/>
+                <a:ea typeface="Helvetica Neue" panose="02000503000000020004" pitchFamily="2" charset="0"/>
+                <a:cs typeface="Helvetica Neue" panose="02000503000000020004" pitchFamily="2" charset="0"/>
+              </a:rPr>
             </a:br>
-            <a:endParaRPr lang="en-US" dirty="0"/>
+            <a:endParaRPr lang="en-US" dirty="0">
+              <a:latin typeface="Helvetica Neue" panose="02000503000000020004" pitchFamily="2" charset="0"/>
+              <a:ea typeface="Helvetica Neue" panose="02000503000000020004" pitchFamily="2" charset="0"/>
+              <a:cs typeface="Helvetica Neue" panose="02000503000000020004" pitchFamily="2" charset="0"/>
+            </a:endParaRPr>
           </a:p>
           <a:p>
             <a:pPr marL="342900" indent="-342900">
@@ -6985,7 +7497,11 @@
               <a:buAutoNum type="arabicPeriod"/>
             </a:pPr>
             <a:r>
-              <a:rPr lang="en-US" dirty="0"/>
+              <a:rPr lang="en-US" dirty="0">
+                <a:latin typeface="Helvetica Neue" panose="02000503000000020004" pitchFamily="2" charset="0"/>
+                <a:ea typeface="Helvetica Neue" panose="02000503000000020004" pitchFamily="2" charset="0"/>
+                <a:cs typeface="Helvetica Neue" panose="02000503000000020004" pitchFamily="2" charset="0"/>
+              </a:rPr>
               <a:t>Add a variable density to the data set, defined as the number of inhabitants per area. </a:t>
             </a:r>
           </a:p>
@@ -6995,7 +7511,11 @@
               <a:buAutoNum type="arabicPeriod"/>
             </a:pPr>
             <a:r>
-              <a:rPr lang="en-US" dirty="0"/>
+              <a:rPr lang="en-US" dirty="0">
+                <a:latin typeface="Helvetica Neue" panose="02000503000000020004" pitchFamily="2" charset="0"/>
+                <a:ea typeface="Helvetica Neue" panose="02000503000000020004" pitchFamily="2" charset="0"/>
+                <a:cs typeface="Helvetica Neue" panose="02000503000000020004" pitchFamily="2" charset="0"/>
+              </a:rPr>
               <a:t>Start with the full regression model.</a:t>
             </a:r>
           </a:p>
@@ -7005,7 +7525,11 @@
               <a:buAutoNum type="arabicPeriod"/>
             </a:pPr>
             <a:r>
-              <a:rPr lang="en-US" dirty="0"/>
+              <a:rPr lang="en-US" dirty="0">
+                <a:latin typeface="Helvetica Neue" panose="02000503000000020004" pitchFamily="2" charset="0"/>
+                <a:ea typeface="Helvetica Neue" panose="02000503000000020004" pitchFamily="2" charset="0"/>
+                <a:cs typeface="Helvetica Neue" panose="02000503000000020004" pitchFamily="2" charset="0"/>
+              </a:rPr>
               <a:t>As long as there is an explanatory variable with a p-value above 5%:</a:t>
             </a:r>
           </a:p>
@@ -7015,7 +7539,11 @@
               <a:buAutoNum type="alphaLcPeriod"/>
             </a:pPr>
             <a:r>
-              <a:rPr lang="en-US" dirty="0"/>
+              <a:rPr lang="en-US" dirty="0">
+                <a:latin typeface="Helvetica Neue" panose="02000503000000020004" pitchFamily="2" charset="0"/>
+                <a:ea typeface="Helvetica Neue" panose="02000503000000020004" pitchFamily="2" charset="0"/>
+                <a:cs typeface="Helvetica Neue" panose="02000503000000020004" pitchFamily="2" charset="0"/>
+              </a:rPr>
               <a:t>Remove the least significant variable</a:t>
             </a:r>
           </a:p>
@@ -7025,12 +7553,20 @@
               <a:buAutoNum type="alphaLcPeriod"/>
             </a:pPr>
             <a:r>
-              <a:rPr lang="en-US" dirty="0"/>
+              <a:rPr lang="en-US" dirty="0">
+                <a:latin typeface="Helvetica Neue" panose="02000503000000020004" pitchFamily="2" charset="0"/>
+                <a:ea typeface="Helvetica Neue" panose="02000503000000020004" pitchFamily="2" charset="0"/>
+                <a:cs typeface="Helvetica Neue" panose="02000503000000020004" pitchFamily="2" charset="0"/>
+              </a:rPr>
               <a:t>Keep the new model if the larger model is not significantly better based on an F-test </a:t>
             </a:r>
           </a:p>
           <a:p>
-            <a:endParaRPr lang="en-US" dirty="0"/>
+            <a:endParaRPr lang="en-US" dirty="0">
+              <a:latin typeface="Helvetica Neue" panose="02000503000000020004" pitchFamily="2" charset="0"/>
+              <a:ea typeface="Helvetica Neue" panose="02000503000000020004" pitchFamily="2" charset="0"/>
+              <a:cs typeface="Helvetica Neue" panose="02000503000000020004" pitchFamily="2" charset="0"/>
+            </a:endParaRPr>
           </a:p>
         </p:txBody>
       </p:sp>
